--- a/GATE/DBMS 8% - Completed/CH 01  Relational model and Normal forms/Clearity.pptx
+++ b/GATE/DBMS 8% - Completed/CH 01  Relational model and Normal forms/Clearity.pptx
@@ -8,6 +8,15 @@
     <p:sldId id="256" r:id="rId2"/>
     <p:sldId id="257" r:id="rId3"/>
     <p:sldId id="260" r:id="rId4"/>
+    <p:sldId id="261" r:id="rId5"/>
+    <p:sldId id="262" r:id="rId6"/>
+    <p:sldId id="264" r:id="rId7"/>
+    <p:sldId id="265" r:id="rId8"/>
+    <p:sldId id="266" r:id="rId9"/>
+    <p:sldId id="263" r:id="rId10"/>
+    <p:sldId id="267" r:id="rId11"/>
+    <p:sldId id="268" r:id="rId12"/>
+    <p:sldId id="269" r:id="rId13"/>
   </p:sldIdLst>
   <p:sldSz cx="12192000" cy="6858000"/>
   <p:notesSz cx="6858000" cy="9144000"/>
@@ -120,7 +129,31 @@
             <p14:sldId id="260"/>
           </p14:sldIdLst>
         </p14:section>
+        <p14:section name="Number of Super Keys" id="{A1018626-359F-498E-9038-B25A82F27F87}">
+          <p14:sldIdLst>
+            <p14:sldId id="261"/>
+            <p14:sldId id="262"/>
+            <p14:sldId id="264"/>
+            <p14:sldId id="265"/>
+          </p14:sldIdLst>
+        </p14:section>
+        <p14:section name="Foreign Key" id="{CC5F0521-4B8C-4167-A2F0-A76BD65B17FE}">
+          <p14:sldIdLst>
+            <p14:sldId id="266"/>
+            <p14:sldId id="263"/>
+          </p14:sldIdLst>
+        </p14:section>
+        <p14:section name="Candidate Key" id="{432E87BE-365D-4463-B423-BB41B59BBC71}">
+          <p14:sldIdLst>
+            <p14:sldId id="267"/>
+            <p14:sldId id="268"/>
+            <p14:sldId id="269"/>
+          </p14:sldIdLst>
+        </p14:section>
       </p14:sectionLst>
+    </p:ext>
+    <p:ext uri="{EFAFB233-063F-42B5-8137-9DF3F51BA10A}">
+      <p15:sldGuideLst xmlns:p15="http://schemas.microsoft.com/office/powerpoint/2012/main"/>
     </p:ext>
   </p:extLst>
 </p:presentation>
@@ -275,7 +308,7 @@
           <a:p>
             <a:fld id="{E6A8E1DF-A653-4DE5-9238-F24CB8632D1B}" type="datetimeFigureOut">
               <a:rPr lang="en-IN" smtClean="0"/>
-              <a:t>28-12-2025</a:t>
+              <a:t>30-12-2025</a:t>
             </a:fld>
             <a:endParaRPr lang="en-IN"/>
           </a:p>
@@ -475,7 +508,7 @@
           <a:p>
             <a:fld id="{E6A8E1DF-A653-4DE5-9238-F24CB8632D1B}" type="datetimeFigureOut">
               <a:rPr lang="en-IN" smtClean="0"/>
-              <a:t>28-12-2025</a:t>
+              <a:t>30-12-2025</a:t>
             </a:fld>
             <a:endParaRPr lang="en-IN"/>
           </a:p>
@@ -685,7 +718,7 @@
           <a:p>
             <a:fld id="{E6A8E1DF-A653-4DE5-9238-F24CB8632D1B}" type="datetimeFigureOut">
               <a:rPr lang="en-IN" smtClean="0"/>
-              <a:t>28-12-2025</a:t>
+              <a:t>30-12-2025</a:t>
             </a:fld>
             <a:endParaRPr lang="en-IN"/>
           </a:p>
@@ -885,7 +918,7 @@
           <a:p>
             <a:fld id="{E6A8E1DF-A653-4DE5-9238-F24CB8632D1B}" type="datetimeFigureOut">
               <a:rPr lang="en-IN" smtClean="0"/>
-              <a:t>28-12-2025</a:t>
+              <a:t>30-12-2025</a:t>
             </a:fld>
             <a:endParaRPr lang="en-IN"/>
           </a:p>
@@ -1161,7 +1194,7 @@
           <a:p>
             <a:fld id="{E6A8E1DF-A653-4DE5-9238-F24CB8632D1B}" type="datetimeFigureOut">
               <a:rPr lang="en-IN" smtClean="0"/>
-              <a:t>28-12-2025</a:t>
+              <a:t>30-12-2025</a:t>
             </a:fld>
             <a:endParaRPr lang="en-IN"/>
           </a:p>
@@ -1429,7 +1462,7 @@
           <a:p>
             <a:fld id="{E6A8E1DF-A653-4DE5-9238-F24CB8632D1B}" type="datetimeFigureOut">
               <a:rPr lang="en-IN" smtClean="0"/>
-              <a:t>28-12-2025</a:t>
+              <a:t>30-12-2025</a:t>
             </a:fld>
             <a:endParaRPr lang="en-IN"/>
           </a:p>
@@ -1844,7 +1877,7 @@
           <a:p>
             <a:fld id="{E6A8E1DF-A653-4DE5-9238-F24CB8632D1B}" type="datetimeFigureOut">
               <a:rPr lang="en-IN" smtClean="0"/>
-              <a:t>28-12-2025</a:t>
+              <a:t>30-12-2025</a:t>
             </a:fld>
             <a:endParaRPr lang="en-IN"/>
           </a:p>
@@ -1986,7 +2019,7 @@
           <a:p>
             <a:fld id="{E6A8E1DF-A653-4DE5-9238-F24CB8632D1B}" type="datetimeFigureOut">
               <a:rPr lang="en-IN" smtClean="0"/>
-              <a:t>28-12-2025</a:t>
+              <a:t>30-12-2025</a:t>
             </a:fld>
             <a:endParaRPr lang="en-IN"/>
           </a:p>
@@ -2099,7 +2132,7 @@
           <a:p>
             <a:fld id="{E6A8E1DF-A653-4DE5-9238-F24CB8632D1B}" type="datetimeFigureOut">
               <a:rPr lang="en-IN" smtClean="0"/>
-              <a:t>28-12-2025</a:t>
+              <a:t>30-12-2025</a:t>
             </a:fld>
             <a:endParaRPr lang="en-IN"/>
           </a:p>
@@ -2412,7 +2445,7 @@
           <a:p>
             <a:fld id="{E6A8E1DF-A653-4DE5-9238-F24CB8632D1B}" type="datetimeFigureOut">
               <a:rPr lang="en-IN" smtClean="0"/>
-              <a:t>28-12-2025</a:t>
+              <a:t>30-12-2025</a:t>
             </a:fld>
             <a:endParaRPr lang="en-IN"/>
           </a:p>
@@ -2701,7 +2734,7 @@
           <a:p>
             <a:fld id="{E6A8E1DF-A653-4DE5-9238-F24CB8632D1B}" type="datetimeFigureOut">
               <a:rPr lang="en-IN" smtClean="0"/>
-              <a:t>28-12-2025</a:t>
+              <a:t>30-12-2025</a:t>
             </a:fld>
             <a:endParaRPr lang="en-IN"/>
           </a:p>
@@ -2944,7 +2977,7 @@
           <a:p>
             <a:fld id="{E6A8E1DF-A653-4DE5-9238-F24CB8632D1B}" type="datetimeFigureOut">
               <a:rPr lang="en-IN" smtClean="0"/>
-              <a:t>28-12-2025</a:t>
+              <a:t>30-12-2025</a:t>
             </a:fld>
             <a:endParaRPr lang="en-IN"/>
           </a:p>
@@ -3424,6 +3457,252 @@
 </p:sld>
 </file>
 
+<file path=ppt/slides/slide10.xml><?xml version="1.0" encoding="utf-8"?>
+<p:sld xmlns:a="http://schemas.openxmlformats.org/drawingml/2006/main" xmlns:r="http://schemas.openxmlformats.org/officeDocument/2006/relationships" xmlns:p="http://schemas.openxmlformats.org/presentationml/2006/main">
+  <p:cSld>
+    <p:spTree>
+      <p:nvGrpSpPr>
+        <p:cNvPr id="1" name=""/>
+        <p:cNvGrpSpPr/>
+        <p:nvPr/>
+      </p:nvGrpSpPr>
+      <p:grpSpPr>
+        <a:xfrm>
+          <a:off x="0" y="0"/>
+          <a:ext cx="0" cy="0"/>
+          <a:chOff x="0" y="0"/>
+          <a:chExt cx="0" cy="0"/>
+        </a:xfrm>
+      </p:grpSpPr>
+      <p:pic>
+        <p:nvPicPr>
+          <p:cNvPr id="3" name="Picture 2">
+            <a:extLst>
+              <a:ext uri="{FF2B5EF4-FFF2-40B4-BE49-F238E27FC236}">
+                <a16:creationId xmlns:a16="http://schemas.microsoft.com/office/drawing/2014/main" id="{A57AF6E0-20BE-4888-B985-1CA4B57DAC70}"/>
+              </a:ext>
+            </a:extLst>
+          </p:cNvPr>
+          <p:cNvPicPr>
+            <a:picLocks noChangeAspect="1"/>
+          </p:cNvPicPr>
+          <p:nvPr/>
+        </p:nvPicPr>
+        <p:blipFill>
+          <a:blip r:embed="rId2"/>
+          <a:stretch>
+            <a:fillRect/>
+          </a:stretch>
+        </p:blipFill>
+        <p:spPr>
+          <a:xfrm>
+            <a:off x="475803" y="444457"/>
+            <a:ext cx="5791702" cy="2179509"/>
+          </a:xfrm>
+          <a:prstGeom prst="rect">
+            <a:avLst/>
+          </a:prstGeom>
+        </p:spPr>
+      </p:pic>
+      <p:pic>
+        <p:nvPicPr>
+          <p:cNvPr id="5" name="Picture 4">
+            <a:extLst>
+              <a:ext uri="{FF2B5EF4-FFF2-40B4-BE49-F238E27FC236}">
+                <a16:creationId xmlns:a16="http://schemas.microsoft.com/office/drawing/2014/main" id="{A807D6FF-F2BA-4983-BD49-D568221BB627}"/>
+              </a:ext>
+            </a:extLst>
+          </p:cNvPr>
+          <p:cNvPicPr>
+            <a:picLocks noChangeAspect="1"/>
+          </p:cNvPicPr>
+          <p:nvPr/>
+        </p:nvPicPr>
+        <p:blipFill>
+          <a:blip r:embed="rId3"/>
+          <a:stretch>
+            <a:fillRect/>
+          </a:stretch>
+        </p:blipFill>
+        <p:spPr>
+          <a:xfrm>
+            <a:off x="475803" y="2896850"/>
+            <a:ext cx="4587638" cy="2179509"/>
+          </a:xfrm>
+          <a:prstGeom prst="rect">
+            <a:avLst/>
+          </a:prstGeom>
+        </p:spPr>
+      </p:pic>
+      <p:pic>
+        <p:nvPicPr>
+          <p:cNvPr id="7" name="Picture 6">
+            <a:extLst>
+              <a:ext uri="{FF2B5EF4-FFF2-40B4-BE49-F238E27FC236}">
+                <a16:creationId xmlns:a16="http://schemas.microsoft.com/office/drawing/2014/main" id="{CC569CB4-76BB-4A08-89F6-88CAA1342B11}"/>
+              </a:ext>
+            </a:extLst>
+          </p:cNvPr>
+          <p:cNvPicPr>
+            <a:picLocks noChangeAspect="1"/>
+          </p:cNvPicPr>
+          <p:nvPr/>
+        </p:nvPicPr>
+        <p:blipFill>
+          <a:blip r:embed="rId4"/>
+          <a:stretch>
+            <a:fillRect/>
+          </a:stretch>
+        </p:blipFill>
+        <p:spPr>
+          <a:xfrm>
+            <a:off x="6733712" y="143788"/>
+            <a:ext cx="5223616" cy="2480178"/>
+          </a:xfrm>
+          <a:prstGeom prst="rect">
+            <a:avLst/>
+          </a:prstGeom>
+        </p:spPr>
+      </p:pic>
+      <p:pic>
+        <p:nvPicPr>
+          <p:cNvPr id="11" name="Picture 10">
+            <a:extLst>
+              <a:ext uri="{FF2B5EF4-FFF2-40B4-BE49-F238E27FC236}">
+                <a16:creationId xmlns:a16="http://schemas.microsoft.com/office/drawing/2014/main" id="{41626342-C8B4-4DEE-83FB-3ED3A836FCDB}"/>
+              </a:ext>
+            </a:extLst>
+          </p:cNvPr>
+          <p:cNvPicPr>
+            <a:picLocks noChangeAspect="1"/>
+          </p:cNvPicPr>
+          <p:nvPr/>
+        </p:nvPicPr>
+        <p:blipFill>
+          <a:blip r:embed="rId5">
+            <a:extLst>
+              <a:ext uri="{28A0092B-C50C-407E-A947-70E740481C1C}">
+                <a14:useLocalDpi xmlns:a14="http://schemas.microsoft.com/office/drawing/2010/main" val="0"/>
+              </a:ext>
+            </a:extLst>
+          </a:blip>
+          <a:stretch>
+            <a:fillRect/>
+          </a:stretch>
+        </p:blipFill>
+        <p:spPr>
+          <a:xfrm>
+            <a:off x="6733712" y="2623966"/>
+            <a:ext cx="5170598" cy="2849723"/>
+          </a:xfrm>
+          <a:prstGeom prst="rect">
+            <a:avLst/>
+          </a:prstGeom>
+        </p:spPr>
+      </p:pic>
+      <p:pic>
+        <p:nvPicPr>
+          <p:cNvPr id="13" name="Picture 12">
+            <a:extLst>
+              <a:ext uri="{FF2B5EF4-FFF2-40B4-BE49-F238E27FC236}">
+                <a16:creationId xmlns:a16="http://schemas.microsoft.com/office/drawing/2014/main" id="{C5B21EE9-83A6-4166-8D30-8551A03B211F}"/>
+              </a:ext>
+            </a:extLst>
+          </p:cNvPr>
+          <p:cNvPicPr>
+            <a:picLocks noChangeAspect="1"/>
+          </p:cNvPicPr>
+          <p:nvPr/>
+        </p:nvPicPr>
+        <p:blipFill>
+          <a:blip r:embed="rId6"/>
+          <a:stretch>
+            <a:fillRect/>
+          </a:stretch>
+        </p:blipFill>
+        <p:spPr>
+          <a:xfrm>
+            <a:off x="7612235" y="5283484"/>
+            <a:ext cx="3413552" cy="1574516"/>
+          </a:xfrm>
+          <a:prstGeom prst="rect">
+            <a:avLst/>
+          </a:prstGeom>
+        </p:spPr>
+      </p:pic>
+    </p:spTree>
+    <p:extLst>
+      <p:ext uri="{BB962C8B-B14F-4D97-AF65-F5344CB8AC3E}">
+        <p14:creationId xmlns:p14="http://schemas.microsoft.com/office/powerpoint/2010/main" val="1339981581"/>
+      </p:ext>
+    </p:extLst>
+  </p:cSld>
+  <p:clrMapOvr>
+    <a:masterClrMapping/>
+  </p:clrMapOvr>
+</p:sld>
+</file>
+
+<file path=ppt/slides/slide11.xml><?xml version="1.0" encoding="utf-8"?>
+<p:sld xmlns:a="http://schemas.openxmlformats.org/drawingml/2006/main" xmlns:r="http://schemas.openxmlformats.org/officeDocument/2006/relationships" xmlns:p="http://schemas.openxmlformats.org/presentationml/2006/main">
+  <p:cSld>
+    <p:spTree>
+      <p:nvGrpSpPr>
+        <p:cNvPr id="1" name=""/>
+        <p:cNvGrpSpPr/>
+        <p:nvPr/>
+      </p:nvGrpSpPr>
+      <p:grpSpPr>
+        <a:xfrm>
+          <a:off x="0" y="0"/>
+          <a:ext cx="0" cy="0"/>
+          <a:chOff x="0" y="0"/>
+          <a:chExt cx="0" cy="0"/>
+        </a:xfrm>
+      </p:grpSpPr>
+    </p:spTree>
+    <p:extLst>
+      <p:ext uri="{BB962C8B-B14F-4D97-AF65-F5344CB8AC3E}">
+        <p14:creationId xmlns:p14="http://schemas.microsoft.com/office/powerpoint/2010/main" val="2985731431"/>
+      </p:ext>
+    </p:extLst>
+  </p:cSld>
+  <p:clrMapOvr>
+    <a:masterClrMapping/>
+  </p:clrMapOvr>
+</p:sld>
+</file>
+
+<file path=ppt/slides/slide12.xml><?xml version="1.0" encoding="utf-8"?>
+<p:sld xmlns:a="http://schemas.openxmlformats.org/drawingml/2006/main" xmlns:r="http://schemas.openxmlformats.org/officeDocument/2006/relationships" xmlns:p="http://schemas.openxmlformats.org/presentationml/2006/main">
+  <p:cSld>
+    <p:spTree>
+      <p:nvGrpSpPr>
+        <p:cNvPr id="1" name=""/>
+        <p:cNvGrpSpPr/>
+        <p:nvPr/>
+      </p:nvGrpSpPr>
+      <p:grpSpPr>
+        <a:xfrm>
+          <a:off x="0" y="0"/>
+          <a:ext cx="0" cy="0"/>
+          <a:chOff x="0" y="0"/>
+          <a:chExt cx="0" cy="0"/>
+        </a:xfrm>
+      </p:grpSpPr>
+    </p:spTree>
+    <p:extLst>
+      <p:ext uri="{BB962C8B-B14F-4D97-AF65-F5344CB8AC3E}">
+        <p14:creationId xmlns:p14="http://schemas.microsoft.com/office/powerpoint/2010/main" val="1965396637"/>
+      </p:ext>
+    </p:extLst>
+  </p:cSld>
+  <p:clrMapOvr>
+    <a:masterClrMapping/>
+  </p:clrMapOvr>
+</p:sld>
+</file>
+
 <file path=ppt/slides/slide2.xml><?xml version="1.0" encoding="utf-8"?>
 <p:sld xmlns:a="http://schemas.openxmlformats.org/drawingml/2006/main" xmlns:r="http://schemas.openxmlformats.org/officeDocument/2006/relationships" xmlns:p="http://schemas.openxmlformats.org/presentationml/2006/main">
   <p:cSld>
@@ -3607,6 +3886,672 @@
     <p:extLst>
       <p:ext uri="{BB962C8B-B14F-4D97-AF65-F5344CB8AC3E}">
         <p14:creationId xmlns:p14="http://schemas.microsoft.com/office/powerpoint/2010/main" val="865003526"/>
+      </p:ext>
+    </p:extLst>
+  </p:cSld>
+  <p:clrMapOvr>
+    <a:masterClrMapping/>
+  </p:clrMapOvr>
+</p:sld>
+</file>
+
+<file path=ppt/slides/slide4.xml><?xml version="1.0" encoding="utf-8"?>
+<p:sld xmlns:a="http://schemas.openxmlformats.org/drawingml/2006/main" xmlns:r="http://schemas.openxmlformats.org/officeDocument/2006/relationships" xmlns:p="http://schemas.openxmlformats.org/presentationml/2006/main">
+  <p:cSld>
+    <p:spTree>
+      <p:nvGrpSpPr>
+        <p:cNvPr id="1" name=""/>
+        <p:cNvGrpSpPr/>
+        <p:nvPr/>
+      </p:nvGrpSpPr>
+      <p:grpSpPr>
+        <a:xfrm>
+          <a:off x="0" y="0"/>
+          <a:ext cx="0" cy="0"/>
+          <a:chOff x="0" y="0"/>
+          <a:chExt cx="0" cy="0"/>
+        </a:xfrm>
+      </p:grpSpPr>
+      <p:pic>
+        <p:nvPicPr>
+          <p:cNvPr id="5" name="Picture 4">
+            <a:extLst>
+              <a:ext uri="{FF2B5EF4-FFF2-40B4-BE49-F238E27FC236}">
+                <a16:creationId xmlns:a16="http://schemas.microsoft.com/office/drawing/2014/main" id="{4F0948BE-C094-4929-A6D3-BDEFC33BFD61}"/>
+              </a:ext>
+            </a:extLst>
+          </p:cNvPr>
+          <p:cNvPicPr>
+            <a:picLocks noChangeAspect="1"/>
+          </p:cNvPicPr>
+          <p:nvPr/>
+        </p:nvPicPr>
+        <p:blipFill>
+          <a:blip r:embed="rId2"/>
+          <a:stretch>
+            <a:fillRect/>
+          </a:stretch>
+        </p:blipFill>
+        <p:spPr>
+          <a:xfrm>
+            <a:off x="4522500" y="218239"/>
+            <a:ext cx="3448654" cy="6251838"/>
+          </a:xfrm>
+          <a:prstGeom prst="rect">
+            <a:avLst/>
+          </a:prstGeom>
+        </p:spPr>
+      </p:pic>
+    </p:spTree>
+    <p:extLst>
+      <p:ext uri="{BB962C8B-B14F-4D97-AF65-F5344CB8AC3E}">
+        <p14:creationId xmlns:p14="http://schemas.microsoft.com/office/powerpoint/2010/main" val="1945090989"/>
+      </p:ext>
+    </p:extLst>
+  </p:cSld>
+  <p:clrMapOvr>
+    <a:masterClrMapping/>
+  </p:clrMapOvr>
+</p:sld>
+</file>
+
+<file path=ppt/slides/slide5.xml><?xml version="1.0" encoding="utf-8"?>
+<p:sld xmlns:a="http://schemas.openxmlformats.org/drawingml/2006/main" xmlns:r="http://schemas.openxmlformats.org/officeDocument/2006/relationships" xmlns:p="http://schemas.openxmlformats.org/presentationml/2006/main">
+  <p:cSld>
+    <p:spTree>
+      <p:nvGrpSpPr>
+        <p:cNvPr id="1" name=""/>
+        <p:cNvGrpSpPr/>
+        <p:nvPr/>
+      </p:nvGrpSpPr>
+      <p:grpSpPr>
+        <a:xfrm>
+          <a:off x="0" y="0"/>
+          <a:ext cx="0" cy="0"/>
+          <a:chOff x="0" y="0"/>
+          <a:chExt cx="0" cy="0"/>
+        </a:xfrm>
+      </p:grpSpPr>
+      <p:pic>
+        <p:nvPicPr>
+          <p:cNvPr id="3" name="Picture 2">
+            <a:extLst>
+              <a:ext uri="{FF2B5EF4-FFF2-40B4-BE49-F238E27FC236}">
+                <a16:creationId xmlns:a16="http://schemas.microsoft.com/office/drawing/2014/main" id="{1C2CDAE9-ED68-46A1-A6D4-A34B6FD4F420}"/>
+              </a:ext>
+            </a:extLst>
+          </p:cNvPr>
+          <p:cNvPicPr>
+            <a:picLocks noChangeAspect="1"/>
+          </p:cNvPicPr>
+          <p:nvPr/>
+        </p:nvPicPr>
+        <p:blipFill>
+          <a:blip r:embed="rId2"/>
+          <a:stretch>
+            <a:fillRect/>
+          </a:stretch>
+        </p:blipFill>
+        <p:spPr>
+          <a:xfrm>
+            <a:off x="2079912" y="164355"/>
+            <a:ext cx="8032176" cy="571550"/>
+          </a:xfrm>
+          <a:prstGeom prst="rect">
+            <a:avLst/>
+          </a:prstGeom>
+        </p:spPr>
+      </p:pic>
+      <p:pic>
+        <p:nvPicPr>
+          <p:cNvPr id="5" name="Picture 4">
+            <a:extLst>
+              <a:ext uri="{FF2B5EF4-FFF2-40B4-BE49-F238E27FC236}">
+                <a16:creationId xmlns:a16="http://schemas.microsoft.com/office/drawing/2014/main" id="{32A3AA8C-E8A5-4830-A39C-DA3D34D2A686}"/>
+              </a:ext>
+            </a:extLst>
+          </p:cNvPr>
+          <p:cNvPicPr>
+            <a:picLocks noChangeAspect="1"/>
+          </p:cNvPicPr>
+          <p:nvPr/>
+        </p:nvPicPr>
+        <p:blipFill>
+          <a:blip r:embed="rId3"/>
+          <a:stretch>
+            <a:fillRect/>
+          </a:stretch>
+        </p:blipFill>
+        <p:spPr>
+          <a:xfrm>
+            <a:off x="342623" y="665703"/>
+            <a:ext cx="2758679" cy="6027942"/>
+          </a:xfrm>
+          <a:prstGeom prst="rect">
+            <a:avLst/>
+          </a:prstGeom>
+        </p:spPr>
+      </p:pic>
+      <p:pic>
+        <p:nvPicPr>
+          <p:cNvPr id="7" name="Picture 6">
+            <a:extLst>
+              <a:ext uri="{FF2B5EF4-FFF2-40B4-BE49-F238E27FC236}">
+                <a16:creationId xmlns:a16="http://schemas.microsoft.com/office/drawing/2014/main" id="{4A104D4D-1E35-4367-B373-ECAFE0EAE36A}"/>
+              </a:ext>
+            </a:extLst>
+          </p:cNvPr>
+          <p:cNvPicPr>
+            <a:picLocks noChangeAspect="1"/>
+          </p:cNvPicPr>
+          <p:nvPr/>
+        </p:nvPicPr>
+        <p:blipFill>
+          <a:blip r:embed="rId4"/>
+          <a:stretch>
+            <a:fillRect/>
+          </a:stretch>
+        </p:blipFill>
+        <p:spPr>
+          <a:xfrm>
+            <a:off x="3314459" y="5886227"/>
+            <a:ext cx="2781541" cy="609653"/>
+          </a:xfrm>
+          <a:prstGeom prst="rect">
+            <a:avLst/>
+          </a:prstGeom>
+        </p:spPr>
+      </p:pic>
+    </p:spTree>
+    <p:extLst>
+      <p:ext uri="{BB962C8B-B14F-4D97-AF65-F5344CB8AC3E}">
+        <p14:creationId xmlns:p14="http://schemas.microsoft.com/office/powerpoint/2010/main" val="838657246"/>
+      </p:ext>
+    </p:extLst>
+  </p:cSld>
+  <p:clrMapOvr>
+    <a:masterClrMapping/>
+  </p:clrMapOvr>
+</p:sld>
+</file>
+
+<file path=ppt/slides/slide6.xml><?xml version="1.0" encoding="utf-8"?>
+<p:sld xmlns:a="http://schemas.openxmlformats.org/drawingml/2006/main" xmlns:r="http://schemas.openxmlformats.org/officeDocument/2006/relationships" xmlns:p="http://schemas.openxmlformats.org/presentationml/2006/main">
+  <p:cSld>
+    <p:spTree>
+      <p:nvGrpSpPr>
+        <p:cNvPr id="1" name=""/>
+        <p:cNvGrpSpPr/>
+        <p:nvPr/>
+      </p:nvGrpSpPr>
+      <p:grpSpPr>
+        <a:xfrm>
+          <a:off x="0" y="0"/>
+          <a:ext cx="0" cy="0"/>
+          <a:chOff x="0" y="0"/>
+          <a:chExt cx="0" cy="0"/>
+        </a:xfrm>
+      </p:grpSpPr>
+      <p:sp>
+        <p:nvSpPr>
+          <p:cNvPr id="2" name="Title 1">
+            <a:extLst>
+              <a:ext uri="{FF2B5EF4-FFF2-40B4-BE49-F238E27FC236}">
+                <a16:creationId xmlns:a16="http://schemas.microsoft.com/office/drawing/2014/main" id="{4F3E2509-6882-4764-A6CA-7BEEEF7D48B6}"/>
+              </a:ext>
+            </a:extLst>
+          </p:cNvPr>
+          <p:cNvSpPr>
+            <a:spLocks noGrp="1"/>
+          </p:cNvSpPr>
+          <p:nvPr>
+            <p:ph type="title"/>
+          </p:nvPr>
+        </p:nvSpPr>
+        <p:spPr/>
+        <p:txBody>
+          <a:bodyPr/>
+          <a:lstStyle/>
+          <a:p>
+            <a:endParaRPr lang="en-IN"/>
+          </a:p>
+        </p:txBody>
+      </p:sp>
+      <p:pic>
+        <p:nvPicPr>
+          <p:cNvPr id="5" name="Content Placeholder 4">
+            <a:extLst>
+              <a:ext uri="{FF2B5EF4-FFF2-40B4-BE49-F238E27FC236}">
+                <a16:creationId xmlns:a16="http://schemas.microsoft.com/office/drawing/2014/main" id="{7E3201CA-4AEA-4FC9-8928-1B751EDE423D}"/>
+              </a:ext>
+            </a:extLst>
+          </p:cNvPr>
+          <p:cNvPicPr>
+            <a:picLocks noGrp="1" noChangeAspect="1"/>
+          </p:cNvPicPr>
+          <p:nvPr>
+            <p:ph idx="1"/>
+          </p:nvPr>
+        </p:nvPicPr>
+        <p:blipFill>
+          <a:blip r:embed="rId2"/>
+          <a:stretch>
+            <a:fillRect/>
+          </a:stretch>
+        </p:blipFill>
+        <p:spPr>
+          <a:xfrm>
+            <a:off x="416276" y="197331"/>
+            <a:ext cx="11359448" cy="6370794"/>
+          </a:xfrm>
+        </p:spPr>
+      </p:pic>
+    </p:spTree>
+    <p:extLst>
+      <p:ext uri="{BB962C8B-B14F-4D97-AF65-F5344CB8AC3E}">
+        <p14:creationId xmlns:p14="http://schemas.microsoft.com/office/powerpoint/2010/main" val="3064286777"/>
+      </p:ext>
+    </p:extLst>
+  </p:cSld>
+  <p:clrMapOvr>
+    <a:masterClrMapping/>
+  </p:clrMapOvr>
+</p:sld>
+</file>
+
+<file path=ppt/slides/slide7.xml><?xml version="1.0" encoding="utf-8"?>
+<p:sld xmlns:a="http://schemas.openxmlformats.org/drawingml/2006/main" xmlns:r="http://schemas.openxmlformats.org/officeDocument/2006/relationships" xmlns:p="http://schemas.openxmlformats.org/presentationml/2006/main">
+  <p:cSld>
+    <p:spTree>
+      <p:nvGrpSpPr>
+        <p:cNvPr id="1" name=""/>
+        <p:cNvGrpSpPr/>
+        <p:nvPr/>
+      </p:nvGrpSpPr>
+      <p:grpSpPr>
+        <a:xfrm>
+          <a:off x="0" y="0"/>
+          <a:ext cx="0" cy="0"/>
+          <a:chOff x="0" y="0"/>
+          <a:chExt cx="0" cy="0"/>
+        </a:xfrm>
+      </p:grpSpPr>
+      <p:sp>
+        <p:nvSpPr>
+          <p:cNvPr id="2" name="Title 1">
+            <a:extLst>
+              <a:ext uri="{FF2B5EF4-FFF2-40B4-BE49-F238E27FC236}">
+                <a16:creationId xmlns:a16="http://schemas.microsoft.com/office/drawing/2014/main" id="{619800FC-85CB-4A3C-9E1E-02923807BDEE}"/>
+              </a:ext>
+            </a:extLst>
+          </p:cNvPr>
+          <p:cNvSpPr>
+            <a:spLocks noGrp="1"/>
+          </p:cNvSpPr>
+          <p:nvPr>
+            <p:ph type="title"/>
+          </p:nvPr>
+        </p:nvSpPr>
+        <p:spPr/>
+        <p:txBody>
+          <a:bodyPr/>
+          <a:lstStyle/>
+          <a:p>
+            <a:endParaRPr lang="en-IN"/>
+          </a:p>
+        </p:txBody>
+      </p:sp>
+      <p:pic>
+        <p:nvPicPr>
+          <p:cNvPr id="11" name="Content Placeholder 10">
+            <a:extLst>
+              <a:ext uri="{FF2B5EF4-FFF2-40B4-BE49-F238E27FC236}">
+                <a16:creationId xmlns:a16="http://schemas.microsoft.com/office/drawing/2014/main" id="{62B99D17-7E99-499A-9FD6-D310B2B63DB3}"/>
+              </a:ext>
+            </a:extLst>
+          </p:cNvPr>
+          <p:cNvPicPr>
+            <a:picLocks noGrp="1" noChangeAspect="1"/>
+          </p:cNvPicPr>
+          <p:nvPr>
+            <p:ph idx="1"/>
+          </p:nvPr>
+        </p:nvPicPr>
+        <p:blipFill>
+          <a:blip r:embed="rId2"/>
+          <a:stretch>
+            <a:fillRect/>
+          </a:stretch>
+        </p:blipFill>
+        <p:spPr>
+          <a:xfrm>
+            <a:off x="382381" y="238620"/>
+            <a:ext cx="11463096" cy="6370794"/>
+          </a:xfrm>
+        </p:spPr>
+      </p:pic>
+      <p:pic>
+        <p:nvPicPr>
+          <p:cNvPr id="12" name="Picture 11">
+            <a:extLst>
+              <a:ext uri="{FF2B5EF4-FFF2-40B4-BE49-F238E27FC236}">
+                <a16:creationId xmlns:a16="http://schemas.microsoft.com/office/drawing/2014/main" id="{A4E7A5B3-D09A-420D-995A-759D6E601FC2}"/>
+              </a:ext>
+            </a:extLst>
+          </p:cNvPr>
+          <p:cNvPicPr>
+            <a:picLocks noChangeAspect="1"/>
+          </p:cNvPicPr>
+          <p:nvPr/>
+        </p:nvPicPr>
+        <p:blipFill>
+          <a:blip r:embed="rId3"/>
+          <a:stretch>
+            <a:fillRect/>
+          </a:stretch>
+        </p:blipFill>
+        <p:spPr>
+          <a:xfrm>
+            <a:off x="6304709" y="3279032"/>
+            <a:ext cx="1060652" cy="343757"/>
+          </a:xfrm>
+          <a:prstGeom prst="rect">
+            <a:avLst/>
+          </a:prstGeom>
+        </p:spPr>
+      </p:pic>
+      <p:sp>
+        <p:nvSpPr>
+          <p:cNvPr id="14" name="TextBox 13">
+            <a:extLst>
+              <a:ext uri="{FF2B5EF4-FFF2-40B4-BE49-F238E27FC236}">
+                <a16:creationId xmlns:a16="http://schemas.microsoft.com/office/drawing/2014/main" id="{C1D897DA-DC7E-4F46-85A7-99E2461C20E2}"/>
+              </a:ext>
+            </a:extLst>
+          </p:cNvPr>
+          <p:cNvSpPr txBox="1"/>
+          <p:nvPr/>
+        </p:nvSpPr>
+        <p:spPr>
+          <a:xfrm>
+            <a:off x="6835035" y="1632527"/>
+            <a:ext cx="6096000" cy="369332"/>
+          </a:xfrm>
+          <a:prstGeom prst="rect">
+            <a:avLst/>
+          </a:prstGeom>
+          <a:noFill/>
+        </p:spPr>
+        <p:txBody>
+          <a:bodyPr wrap="square">
+            <a:spAutoFit/>
+          </a:bodyPr>
+          <a:lstStyle/>
+          <a:p>
+            <a:r>
+              <a:rPr lang="en-IN" b="1" dirty="0">
+                <a:solidFill>
+                  <a:srgbClr val="FF0000"/>
+                </a:solidFill>
+              </a:rPr>
+              <a:t>&gt;1 selection</a:t>
+            </a:r>
+          </a:p>
+        </p:txBody>
+      </p:sp>
+      <p:sp>
+        <p:nvSpPr>
+          <p:cNvPr id="16" name="TextBox 15">
+            <a:extLst>
+              <a:ext uri="{FF2B5EF4-FFF2-40B4-BE49-F238E27FC236}">
+                <a16:creationId xmlns:a16="http://schemas.microsoft.com/office/drawing/2014/main" id="{31BF5939-CD6A-4D30-8364-9AEF9A320DAE}"/>
+              </a:ext>
+            </a:extLst>
+          </p:cNvPr>
+          <p:cNvSpPr txBox="1"/>
+          <p:nvPr/>
+        </p:nvSpPr>
+        <p:spPr>
+          <a:xfrm>
+            <a:off x="8859540" y="1632527"/>
+            <a:ext cx="2233333" cy="369332"/>
+          </a:xfrm>
+          <a:prstGeom prst="rect">
+            <a:avLst/>
+          </a:prstGeom>
+          <a:noFill/>
+        </p:spPr>
+        <p:txBody>
+          <a:bodyPr wrap="square">
+            <a:spAutoFit/>
+          </a:bodyPr>
+          <a:lstStyle/>
+          <a:p>
+            <a:r>
+              <a:rPr lang="en-IN" b="1" dirty="0">
+                <a:solidFill>
+                  <a:srgbClr val="FF0000"/>
+                </a:solidFill>
+              </a:rPr>
+              <a:t>Only 1 time selection</a:t>
+            </a:r>
+          </a:p>
+        </p:txBody>
+      </p:sp>
+    </p:spTree>
+    <p:extLst>
+      <p:ext uri="{BB962C8B-B14F-4D97-AF65-F5344CB8AC3E}">
+        <p14:creationId xmlns:p14="http://schemas.microsoft.com/office/powerpoint/2010/main" val="1023820969"/>
+      </p:ext>
+    </p:extLst>
+  </p:cSld>
+  <p:clrMapOvr>
+    <a:masterClrMapping/>
+  </p:clrMapOvr>
+</p:sld>
+</file>
+
+<file path=ppt/slides/slide8.xml><?xml version="1.0" encoding="utf-8"?>
+<p:sld xmlns:a="http://schemas.openxmlformats.org/drawingml/2006/main" xmlns:r="http://schemas.openxmlformats.org/officeDocument/2006/relationships" xmlns:p="http://schemas.openxmlformats.org/presentationml/2006/main">
+  <p:cSld>
+    <p:spTree>
+      <p:nvGrpSpPr>
+        <p:cNvPr id="1" name=""/>
+        <p:cNvGrpSpPr/>
+        <p:nvPr/>
+      </p:nvGrpSpPr>
+      <p:grpSpPr>
+        <a:xfrm>
+          <a:off x="0" y="0"/>
+          <a:ext cx="0" cy="0"/>
+          <a:chOff x="0" y="0"/>
+          <a:chExt cx="0" cy="0"/>
+        </a:xfrm>
+      </p:grpSpPr>
+      <p:pic>
+        <p:nvPicPr>
+          <p:cNvPr id="3" name="Picture 2">
+            <a:extLst>
+              <a:ext uri="{FF2B5EF4-FFF2-40B4-BE49-F238E27FC236}">
+                <a16:creationId xmlns:a16="http://schemas.microsoft.com/office/drawing/2014/main" id="{B192A63A-CAEC-4EEF-ABF0-DB3BDFA4A972}"/>
+              </a:ext>
+            </a:extLst>
+          </p:cNvPr>
+          <p:cNvPicPr>
+            <a:picLocks noChangeAspect="1"/>
+          </p:cNvPicPr>
+          <p:nvPr/>
+        </p:nvPicPr>
+        <p:blipFill>
+          <a:blip r:embed="rId2"/>
+          <a:stretch>
+            <a:fillRect/>
+          </a:stretch>
+        </p:blipFill>
+        <p:spPr>
+          <a:xfrm>
+            <a:off x="572692" y="756674"/>
+            <a:ext cx="6012701" cy="4138019"/>
+          </a:xfrm>
+          <a:prstGeom prst="rect">
+            <a:avLst/>
+          </a:prstGeom>
+        </p:spPr>
+      </p:pic>
+      <p:pic>
+        <p:nvPicPr>
+          <p:cNvPr id="5" name="Picture 4">
+            <a:extLst>
+              <a:ext uri="{FF2B5EF4-FFF2-40B4-BE49-F238E27FC236}">
+                <a16:creationId xmlns:a16="http://schemas.microsoft.com/office/drawing/2014/main" id="{9FA6445C-7007-40FD-9019-6EA52E5E217D}"/>
+              </a:ext>
+            </a:extLst>
+          </p:cNvPr>
+          <p:cNvPicPr>
+            <a:picLocks noChangeAspect="1"/>
+          </p:cNvPicPr>
+          <p:nvPr/>
+        </p:nvPicPr>
+        <p:blipFill>
+          <a:blip r:embed="rId3"/>
+          <a:stretch>
+            <a:fillRect/>
+          </a:stretch>
+        </p:blipFill>
+        <p:spPr>
+          <a:xfrm>
+            <a:off x="7459559" y="266854"/>
+            <a:ext cx="4267570" cy="3703641"/>
+          </a:xfrm>
+          <a:prstGeom prst="rect">
+            <a:avLst/>
+          </a:prstGeom>
+        </p:spPr>
+      </p:pic>
+      <p:pic>
+        <p:nvPicPr>
+          <p:cNvPr id="7" name="Picture 6">
+            <a:extLst>
+              <a:ext uri="{FF2B5EF4-FFF2-40B4-BE49-F238E27FC236}">
+                <a16:creationId xmlns:a16="http://schemas.microsoft.com/office/drawing/2014/main" id="{3B3D93D1-1718-4170-BA29-F053C87A3084}"/>
+              </a:ext>
+            </a:extLst>
+          </p:cNvPr>
+          <p:cNvPicPr>
+            <a:picLocks noChangeAspect="1"/>
+          </p:cNvPicPr>
+          <p:nvPr/>
+        </p:nvPicPr>
+        <p:blipFill>
+          <a:blip r:embed="rId4"/>
+          <a:stretch>
+            <a:fillRect/>
+          </a:stretch>
+        </p:blipFill>
+        <p:spPr>
+          <a:xfrm>
+            <a:off x="5783014" y="4178224"/>
+            <a:ext cx="5944115" cy="2545301"/>
+          </a:xfrm>
+          <a:prstGeom prst="rect">
+            <a:avLst/>
+          </a:prstGeom>
+        </p:spPr>
+      </p:pic>
+    </p:spTree>
+    <p:extLst>
+      <p:ext uri="{BB962C8B-B14F-4D97-AF65-F5344CB8AC3E}">
+        <p14:creationId xmlns:p14="http://schemas.microsoft.com/office/powerpoint/2010/main" val="3085107598"/>
+      </p:ext>
+    </p:extLst>
+  </p:cSld>
+  <p:clrMapOvr>
+    <a:masterClrMapping/>
+  </p:clrMapOvr>
+</p:sld>
+</file>
+
+<file path=ppt/slides/slide9.xml><?xml version="1.0" encoding="utf-8"?>
+<p:sld xmlns:a="http://schemas.openxmlformats.org/drawingml/2006/main" xmlns:r="http://schemas.openxmlformats.org/officeDocument/2006/relationships" xmlns:p="http://schemas.openxmlformats.org/presentationml/2006/main">
+  <p:cSld>
+    <p:spTree>
+      <p:nvGrpSpPr>
+        <p:cNvPr id="1" name=""/>
+        <p:cNvGrpSpPr/>
+        <p:nvPr/>
+      </p:nvGrpSpPr>
+      <p:grpSpPr>
+        <a:xfrm>
+          <a:off x="0" y="0"/>
+          <a:ext cx="0" cy="0"/>
+          <a:chOff x="0" y="0"/>
+          <a:chExt cx="0" cy="0"/>
+        </a:xfrm>
+      </p:grpSpPr>
+      <p:pic>
+        <p:nvPicPr>
+          <p:cNvPr id="3" name="Picture 2">
+            <a:extLst>
+              <a:ext uri="{FF2B5EF4-FFF2-40B4-BE49-F238E27FC236}">
+                <a16:creationId xmlns:a16="http://schemas.microsoft.com/office/drawing/2014/main" id="{0875DFCC-A2B4-456D-B9DF-FE991C369843}"/>
+              </a:ext>
+            </a:extLst>
+          </p:cNvPr>
+          <p:cNvPicPr>
+            <a:picLocks noChangeAspect="1"/>
+          </p:cNvPicPr>
+          <p:nvPr/>
+        </p:nvPicPr>
+        <p:blipFill>
+          <a:blip r:embed="rId2"/>
+          <a:stretch>
+            <a:fillRect/>
+          </a:stretch>
+        </p:blipFill>
+        <p:spPr>
+          <a:xfrm>
+            <a:off x="281436" y="1630872"/>
+            <a:ext cx="5814564" cy="2804403"/>
+          </a:xfrm>
+          <a:prstGeom prst="rect">
+            <a:avLst/>
+          </a:prstGeom>
+        </p:spPr>
+      </p:pic>
+      <p:pic>
+        <p:nvPicPr>
+          <p:cNvPr id="5" name="Picture 4">
+            <a:extLst>
+              <a:ext uri="{FF2B5EF4-FFF2-40B4-BE49-F238E27FC236}">
+                <a16:creationId xmlns:a16="http://schemas.microsoft.com/office/drawing/2014/main" id="{FB505142-7DC9-4220-A22D-EDDB52C57FE5}"/>
+              </a:ext>
+            </a:extLst>
+          </p:cNvPr>
+          <p:cNvPicPr>
+            <a:picLocks noChangeAspect="1"/>
+          </p:cNvPicPr>
+          <p:nvPr/>
+        </p:nvPicPr>
+        <p:blipFill>
+          <a:blip r:embed="rId3"/>
+          <a:stretch>
+            <a:fillRect/>
+          </a:stretch>
+        </p:blipFill>
+        <p:spPr>
+          <a:xfrm>
+            <a:off x="6955953" y="823923"/>
+            <a:ext cx="4671465" cy="4983912"/>
+          </a:xfrm>
+          <a:prstGeom prst="rect">
+            <a:avLst/>
+          </a:prstGeom>
+        </p:spPr>
+      </p:pic>
+    </p:spTree>
+    <p:extLst>
+      <p:ext uri="{BB962C8B-B14F-4D97-AF65-F5344CB8AC3E}">
+        <p14:creationId xmlns:p14="http://schemas.microsoft.com/office/powerpoint/2010/main" val="3751791712"/>
       </p:ext>
     </p:extLst>
   </p:cSld>

--- a/GATE/DBMS 8% - Completed/CH 01  Relational model and Normal forms/Clearity.pptx
+++ b/GATE/DBMS 8% - Completed/CH 01  Relational model and Normal forms/Clearity.pptx
@@ -146,6 +146,10 @@
         <p14:section name="Candidate Key" id="{432E87BE-365D-4463-B423-BB41B59BBC71}">
           <p14:sldIdLst>
             <p14:sldId id="267"/>
+          </p14:sldIdLst>
+        </p14:section>
+        <p14:section name="BCNF" id="{8AA4B8F1-2D14-4526-9AD0-EE3D8F07B475}">
+          <p14:sldIdLst>
             <p14:sldId id="268"/>
             <p14:sldId id="269"/>
           </p14:sldIdLst>
@@ -3660,6 +3664,66 @@
           <a:chExt cx="0" cy="0"/>
         </a:xfrm>
       </p:grpSpPr>
+      <p:pic>
+        <p:nvPicPr>
+          <p:cNvPr id="3" name="Picture 2">
+            <a:extLst>
+              <a:ext uri="{FF2B5EF4-FFF2-40B4-BE49-F238E27FC236}">
+                <a16:creationId xmlns:a16="http://schemas.microsoft.com/office/drawing/2014/main" id="{D0C45F03-D23D-4B12-8B8D-2702C88B67B9}"/>
+              </a:ext>
+            </a:extLst>
+          </p:cNvPr>
+          <p:cNvPicPr>
+            <a:picLocks noChangeAspect="1"/>
+          </p:cNvPicPr>
+          <p:nvPr/>
+        </p:nvPicPr>
+        <p:blipFill>
+          <a:blip r:embed="rId2"/>
+          <a:stretch>
+            <a:fillRect/>
+          </a:stretch>
+        </p:blipFill>
+        <p:spPr>
+          <a:xfrm>
+            <a:off x="455206" y="264659"/>
+            <a:ext cx="9754445" cy="861135"/>
+          </a:xfrm>
+          <a:prstGeom prst="rect">
+            <a:avLst/>
+          </a:prstGeom>
+        </p:spPr>
+      </p:pic>
+      <p:pic>
+        <p:nvPicPr>
+          <p:cNvPr id="5" name="Picture 4">
+            <a:extLst>
+              <a:ext uri="{FF2B5EF4-FFF2-40B4-BE49-F238E27FC236}">
+                <a16:creationId xmlns:a16="http://schemas.microsoft.com/office/drawing/2014/main" id="{2D020691-0BD3-4302-9EBF-E7375A7DFA32}"/>
+              </a:ext>
+            </a:extLst>
+          </p:cNvPr>
+          <p:cNvPicPr>
+            <a:picLocks noChangeAspect="1"/>
+          </p:cNvPicPr>
+          <p:nvPr/>
+        </p:nvPicPr>
+        <p:blipFill>
+          <a:blip r:embed="rId3"/>
+          <a:stretch>
+            <a:fillRect/>
+          </a:stretch>
+        </p:blipFill>
+        <p:spPr>
+          <a:xfrm>
+            <a:off x="455206" y="1125794"/>
+            <a:ext cx="9037586" cy="410775"/>
+          </a:xfrm>
+          <a:prstGeom prst="rect">
+            <a:avLst/>
+          </a:prstGeom>
+        </p:spPr>
+      </p:pic>
     </p:spTree>
     <p:extLst>
       <p:ext uri="{BB962C8B-B14F-4D97-AF65-F5344CB8AC3E}">
